--- a/ds6306/CaseStudy2DDS/presentation/Case Study 2 - Neil Benson.pptx
+++ b/ds6306/CaseStudy2DDS/presentation/Case Study 2 - Neil Benson.pptx
@@ -12,8 +12,8 @@
     <p:sldId id="258" r:id="rId6"/>
     <p:sldId id="260" r:id="rId7"/>
     <p:sldId id="272" r:id="rId8"/>
-    <p:sldId id="263" r:id="rId9"/>
-    <p:sldId id="267" r:id="rId10"/>
+    <p:sldId id="267" r:id="rId9"/>
+    <p:sldId id="274" r:id="rId10"/>
     <p:sldId id="270" r:id="rId11"/>
   </p:sldIdLst>
   <p:sldSz cx="12192000" cy="6858000"/>
@@ -296,7 +296,7 @@
           <a:p>
             <a:fld id="{5019FF15-59AD-42EB-A4E5-3AC671C42A30}" type="datetimeFigureOut">
               <a:rPr lang="en-US" smtClean="0"/>
-              <a:t>8/14/2020</a:t>
+              <a:t>8/15/2020</a:t>
             </a:fld>
             <a:endParaRPr lang="en-US"/>
           </a:p>
@@ -466,7 +466,7 @@
           <a:p>
             <a:fld id="{5019FF15-59AD-42EB-A4E5-3AC671C42A30}" type="datetimeFigureOut">
               <a:rPr lang="en-US" smtClean="0"/>
-              <a:t>8/14/2020</a:t>
+              <a:t>8/15/2020</a:t>
             </a:fld>
             <a:endParaRPr lang="en-US"/>
           </a:p>
@@ -646,7 +646,7 @@
           <a:p>
             <a:fld id="{5019FF15-59AD-42EB-A4E5-3AC671C42A30}" type="datetimeFigureOut">
               <a:rPr lang="en-US" smtClean="0"/>
-              <a:t>8/14/2020</a:t>
+              <a:t>8/15/2020</a:t>
             </a:fld>
             <a:endParaRPr lang="en-US"/>
           </a:p>
@@ -816,7 +816,7 @@
           <a:p>
             <a:fld id="{5019FF15-59AD-42EB-A4E5-3AC671C42A30}" type="datetimeFigureOut">
               <a:rPr lang="en-US" smtClean="0"/>
-              <a:t>8/14/2020</a:t>
+              <a:t>8/15/2020</a:t>
             </a:fld>
             <a:endParaRPr lang="en-US"/>
           </a:p>
@@ -1084,7 +1084,7 @@
           <a:p>
             <a:fld id="{5019FF15-59AD-42EB-A4E5-3AC671C42A30}" type="datetimeFigureOut">
               <a:rPr lang="en-US" smtClean="0"/>
-              <a:t>8/14/2020</a:t>
+              <a:t>8/15/2020</a:t>
             </a:fld>
             <a:endParaRPr lang="en-US"/>
           </a:p>
@@ -1316,7 +1316,7 @@
           <a:p>
             <a:fld id="{5019FF15-59AD-42EB-A4E5-3AC671C42A30}" type="datetimeFigureOut">
               <a:rPr lang="en-US" smtClean="0"/>
-              <a:t>8/14/2020</a:t>
+              <a:t>8/15/2020</a:t>
             </a:fld>
             <a:endParaRPr lang="en-US"/>
           </a:p>
@@ -1675,7 +1675,7 @@
           <a:p>
             <a:fld id="{5019FF15-59AD-42EB-A4E5-3AC671C42A30}" type="datetimeFigureOut">
               <a:rPr lang="en-US" smtClean="0"/>
-              <a:t>8/14/2020</a:t>
+              <a:t>8/15/2020</a:t>
             </a:fld>
             <a:endParaRPr lang="en-US"/>
           </a:p>
@@ -1816,7 +1816,7 @@
           <a:p>
             <a:fld id="{5019FF15-59AD-42EB-A4E5-3AC671C42A30}" type="datetimeFigureOut">
               <a:rPr lang="en-US" smtClean="0"/>
-              <a:t>8/14/2020</a:t>
+              <a:t>8/15/2020</a:t>
             </a:fld>
             <a:endParaRPr lang="en-US"/>
           </a:p>
@@ -1911,7 +1911,7 @@
           <a:p>
             <a:fld id="{5019FF15-59AD-42EB-A4E5-3AC671C42A30}" type="datetimeFigureOut">
               <a:rPr lang="en-US" smtClean="0"/>
-              <a:t>8/14/2020</a:t>
+              <a:t>8/15/2020</a:t>
             </a:fld>
             <a:endParaRPr lang="en-US"/>
           </a:p>
@@ -2268,7 +2268,7 @@
           <a:p>
             <a:fld id="{5019FF15-59AD-42EB-A4E5-3AC671C42A30}" type="datetimeFigureOut">
               <a:rPr lang="en-US" smtClean="0"/>
-              <a:t>8/14/2020</a:t>
+              <a:t>8/15/2020</a:t>
             </a:fld>
             <a:endParaRPr lang="en-US"/>
           </a:p>
@@ -2625,7 +2625,7 @@
           <a:p>
             <a:fld id="{5019FF15-59AD-42EB-A4E5-3AC671C42A30}" type="datetimeFigureOut">
               <a:rPr lang="en-US" smtClean="0"/>
-              <a:t>8/14/2020</a:t>
+              <a:t>8/15/2020</a:t>
             </a:fld>
             <a:endParaRPr lang="en-US"/>
           </a:p>
@@ -2867,7 +2867,7 @@
           <a:p>
             <a:fld id="{5019FF15-59AD-42EB-A4E5-3AC671C42A30}" type="datetimeFigureOut">
               <a:rPr lang="en-US" smtClean="0"/>
-              <a:t>8/14/2020</a:t>
+              <a:t>8/15/2020</a:t>
             </a:fld>
             <a:endParaRPr lang="en-US"/>
           </a:p>
@@ -3509,7 +3509,7 @@
                 <a:latin typeface="Calibri" panose="020F0502020204030204" pitchFamily="34" charset="0"/>
                 <a:cs typeface="Calibri" panose="020F0502020204030204" pitchFamily="34" charset="0"/>
               </a:rPr>
-              <a:t>Neil YouTube Video </a:t>
+              <a:t>Neil YouTube Video -</a:t>
             </a:r>
             <a:r>
               <a:rPr lang="en-US" sz="1600" dirty="0">
@@ -3519,32 +3519,15 @@
                 <a:latin typeface="Calibri" panose="020F0502020204030204" pitchFamily="34" charset="0"/>
                 <a:cs typeface="Calibri" panose="020F0502020204030204" pitchFamily="34" charset="0"/>
               </a:rPr>
-              <a:t>- </a:t>
+              <a:t> </a:t>
             </a:r>
             <a:r>
               <a:rPr lang="en-US" sz="1600" dirty="0">
-                <a:solidFill>
-                  <a:srgbClr val="FF0000"/>
-                </a:solidFill>
-                <a:latin typeface="Calibri" panose="020F0502020204030204" pitchFamily="34" charset="0"/>
-                <a:cs typeface="Calibri" panose="020F0502020204030204" pitchFamily="34" charset="0"/>
-                <a:hlinkClick r:id="rId3">
-                  <a:extLst>
-                    <a:ext uri="{A12FA001-AC4F-418D-AE19-62706E023703}">
-                      <ahyp:hlinkClr xmlns:ahyp="http://schemas.microsoft.com/office/drawing/2018/hyperlinkcolor" val="tx"/>
-                    </a:ext>
-                  </a:extLst>
-                </a:hlinkClick>
+                <a:hlinkClick r:id="rId3"/>
               </a:rPr>
-              <a:t>https://youtu.be/s5X5uf_ModA </a:t>
-            </a:r>
-            <a:endParaRPr lang="en-US" sz="1600" dirty="0">
-              <a:solidFill>
-                <a:srgbClr val="FF0000"/>
-              </a:solidFill>
-              <a:latin typeface="Calibri" panose="020F0502020204030204" pitchFamily="34" charset="0"/>
-              <a:cs typeface="Calibri" panose="020F0502020204030204" pitchFamily="34" charset="0"/>
-            </a:endParaRPr>
+              <a:t>https://youtu.be/nq0T1Pjn4ZI </a:t>
+            </a:r>
+            <a:endParaRPr lang="en-US" sz="1600" dirty="0"/>
           </a:p>
           <a:p>
             <a:endParaRPr lang="en-US" sz="1600" dirty="0">
@@ -3784,7 +3767,7 @@
         <p:spPr>
           <a:xfrm>
             <a:off x="1428380" y="5825150"/>
-            <a:ext cx="9335240" cy="369332"/>
+            <a:ext cx="9335240" cy="646331"/>
           </a:xfrm>
           <a:prstGeom prst="rect">
             <a:avLst/>
@@ -3799,13 +3782,10 @@
           <a:p>
             <a:r>
               <a:rPr lang="en-US" dirty="0">
-                <a:solidFill>
-                  <a:srgbClr val="FF0000"/>
-                </a:solidFill>
                 <a:latin typeface="Calibri" panose="020F0502020204030204" pitchFamily="34" charset="0"/>
                 <a:cs typeface="Calibri" panose="020F0502020204030204" pitchFamily="34" charset="0"/>
               </a:rPr>
-              <a:t>Filled missing values by applying average IBU and ABV per style of beer for greater accuracy.</a:t>
+              <a:t>As there weren’t any missing data, nor any columns with anything out of the ordinary, we did not cleanse or impute data</a:t>
             </a:r>
           </a:p>
         </p:txBody>
@@ -7849,9 +7829,10 @@
           <a:lstStyle/>
           <a:p>
             <a:r>
-              <a:rPr lang="en-US" b="1" dirty="0"/>
-              <a:t>Cleaning the Data</a:t>
-            </a:r>
+              <a:rPr lang="en-US" b="1" dirty="0" err="1"/>
+              <a:t>Colinearity</a:t>
+            </a:r>
+            <a:endParaRPr lang="en-US" b="1" dirty="0"/>
           </a:p>
         </p:txBody>
       </p:sp>
@@ -7885,13 +7866,10 @@
           <a:p>
             <a:r>
               <a:rPr lang="en-US" dirty="0">
-                <a:solidFill>
-                  <a:srgbClr val="FF0000"/>
-                </a:solidFill>
                 <a:latin typeface="Calibri" panose="020F0502020204030204" pitchFamily="34" charset="0"/>
                 <a:cs typeface="Calibri" panose="020F0502020204030204" pitchFamily="34" charset="0"/>
               </a:rPr>
-              <a:t>Almost half (~42%) of IBU data was missing, and a little over 2.5% of ABV data was missing.</a:t>
+              <a:t>We observe mostly non-linear correlations between predictors, with some showing skewness</a:t>
             </a:r>
           </a:p>
         </p:txBody>
@@ -7990,7 +7968,7 @@
           <a:p>
             <a:r>
               <a:rPr lang="en-US" b="1" dirty="0"/>
-              <a:t>Median ABV and IBU per State</a:t>
+              <a:t>Density of numerical predictors</a:t>
             </a:r>
           </a:p>
         </p:txBody>
@@ -8025,13 +8003,10 @@
           <a:p>
             <a:r>
               <a:rPr lang="en-US" dirty="0">
-                <a:solidFill>
-                  <a:srgbClr val="FF0000"/>
-                </a:solidFill>
                 <a:latin typeface="Calibri" panose="020F0502020204030204" pitchFamily="34" charset="0"/>
                 <a:cs typeface="Calibri" panose="020F0502020204030204" pitchFamily="34" charset="0"/>
               </a:rPr>
-              <a:t>Most beers fell within relative range for median ABV of each other with only a handful of states significantly differing from the rest.</a:t>
+              <a:t>When looking at the overlap of density, monthly hours, training time last year, and years since last promotion do not seem to uniquely identify individuals who might attrition</a:t>
             </a:r>
           </a:p>
         </p:txBody>
@@ -8353,36 +8328,6 @@
           <a:chExt cx="0" cy="0"/>
         </a:xfrm>
       </p:grpSpPr>
-      <p:pic>
-        <p:nvPicPr>
-          <p:cNvPr id="12" name="Picture 11">
-            <a:extLst>
-              <a:ext uri="{FF2B5EF4-FFF2-40B4-BE49-F238E27FC236}">
-                <a16:creationId xmlns:a16="http://schemas.microsoft.com/office/drawing/2014/main" id="{B55F3C4E-E961-4EB5-8200-C0A398B6D92B}"/>
-              </a:ext>
-            </a:extLst>
-          </p:cNvPr>
-          <p:cNvPicPr>
-            <a:picLocks noChangeAspect="1"/>
-          </p:cNvPicPr>
-          <p:nvPr/>
-        </p:nvPicPr>
-        <p:blipFill>
-          <a:blip r:embed="rId2"/>
-          <a:stretch>
-            <a:fillRect/>
-          </a:stretch>
-        </p:blipFill>
-        <p:spPr>
-          <a:xfrm>
-            <a:off x="1400365" y="1136170"/>
-            <a:ext cx="9391270" cy="4599575"/>
-          </a:xfrm>
-          <a:prstGeom prst="rect">
-            <a:avLst/>
-          </a:prstGeom>
-        </p:spPr>
-      </p:pic>
       <p:sp>
         <p:nvSpPr>
           <p:cNvPr id="2" name="Title 1">
@@ -8401,27 +8346,29 @@
         </p:nvSpPr>
         <p:spPr>
           <a:xfrm>
-            <a:off x="199308" y="129203"/>
-            <a:ext cx="11664142" cy="881784"/>
+            <a:off x="173182" y="198872"/>
+            <a:ext cx="11644349" cy="532648"/>
           </a:xfrm>
         </p:spPr>
         <p:txBody>
-          <a:bodyPr/>
+          <a:bodyPr>
+            <a:normAutofit fontScale="90000"/>
+          </a:bodyPr>
           <a:lstStyle/>
           <a:p>
             <a:r>
               <a:rPr lang="en-US" b="1" dirty="0"/>
-              <a:t>Prediction Accuracy – NAÏVE BAYES</a:t>
+              <a:t>MODEL OPTIMIZATION</a:t>
             </a:r>
           </a:p>
         </p:txBody>
       </p:sp>
       <p:sp>
         <p:nvSpPr>
-          <p:cNvPr id="9" name="TextBox 8">
+          <p:cNvPr id="10" name="TextBox 9">
             <a:extLst>
               <a:ext uri="{FF2B5EF4-FFF2-40B4-BE49-F238E27FC236}">
-                <a16:creationId xmlns:a16="http://schemas.microsoft.com/office/drawing/2014/main" id="{E9D43E64-A6EC-4DD5-A692-0810603D9470}"/>
+                <a16:creationId xmlns:a16="http://schemas.microsoft.com/office/drawing/2014/main" id="{C0D31F19-95AA-452E-BA1F-A32B9B5048B5}"/>
               </a:ext>
             </a:extLst>
           </p:cNvPr>
@@ -8430,8 +8377,8 @@
         </p:nvSpPr>
         <p:spPr>
           <a:xfrm>
-            <a:off x="1302327" y="5825150"/>
-            <a:ext cx="9587346" cy="1477328"/>
+            <a:off x="173181" y="984793"/>
+            <a:ext cx="11644349" cy="5078313"/>
           </a:xfrm>
           <a:prstGeom prst="rect">
             <a:avLst/>
@@ -8445,78 +8392,270 @@
           <a:lstStyle/>
           <a:p>
             <a:r>
+              <a:rPr lang="en-US" dirty="0"/>
+              <a:t>Attrition Model:</a:t>
+            </a:r>
+          </a:p>
+          <a:p>
+            <a:endParaRPr lang="en-US" dirty="0"/>
+          </a:p>
+          <a:p>
+            <a:pPr lvl="1"/>
+            <a:r>
+              <a:rPr lang="en-US" dirty="0">
+                <a:solidFill>
+                  <a:srgbClr val="00B050"/>
+                </a:solidFill>
+              </a:rPr>
+              <a:t>Attrition</a:t>
+            </a:r>
+            <a:r>
+              <a:rPr lang="en-US" dirty="0"/>
+              <a:t> ~ </a:t>
+            </a:r>
+            <a:r>
+              <a:rPr lang="en-US" dirty="0" err="1"/>
+              <a:t>JobInvolvement</a:t>
+            </a:r>
+            <a:r>
+              <a:rPr lang="en-US" dirty="0"/>
+              <a:t> + </a:t>
+            </a:r>
+            <a:r>
+              <a:rPr lang="en-US" dirty="0" err="1"/>
+              <a:t>JobSatisfaction</a:t>
+            </a:r>
+            <a:r>
+              <a:rPr lang="en-US" dirty="0"/>
+              <a:t> + </a:t>
+            </a:r>
+            <a:r>
+              <a:rPr lang="en-US" dirty="0" err="1"/>
+              <a:t>MaritalStatus</a:t>
+            </a:r>
+            <a:r>
+              <a:rPr lang="en-US" dirty="0"/>
+              <a:t> + </a:t>
+            </a:r>
+            <a:r>
+              <a:rPr lang="en-US" dirty="0" err="1"/>
+              <a:t>NumCompaniesWorked</a:t>
+            </a:r>
+            <a:r>
+              <a:rPr lang="en-US" dirty="0"/>
+              <a:t> + </a:t>
+            </a:r>
+            <a:r>
+              <a:rPr lang="en-US" dirty="0" err="1"/>
+              <a:t>OverTime</a:t>
+            </a:r>
+            <a:r>
+              <a:rPr lang="en-US" dirty="0"/>
+              <a:t> + </a:t>
+            </a:r>
+            <a:r>
+              <a:rPr lang="en-US" dirty="0" err="1"/>
+              <a:t>StockOptionLevel</a:t>
+            </a:r>
+            <a:r>
+              <a:rPr lang="en-US" dirty="0"/>
+              <a:t> + </a:t>
+            </a:r>
+            <a:r>
+              <a:rPr lang="en-US" dirty="0" err="1"/>
+              <a:t>YearsSinceLastPromotion</a:t>
+            </a:r>
+            <a:r>
+              <a:rPr lang="en-US" dirty="0"/>
+              <a:t> + </a:t>
+            </a:r>
+            <a:r>
+              <a:rPr lang="en-US" dirty="0" err="1"/>
+              <a:t>JobLevel</a:t>
+            </a:r>
+            <a:r>
+              <a:rPr lang="en-US" dirty="0"/>
+              <a:t> + </a:t>
+            </a:r>
+            <a:r>
+              <a:rPr lang="en-US" dirty="0" err="1"/>
+              <a:t>TotalWorkingYears</a:t>
+            </a:r>
+            <a:r>
+              <a:rPr lang="en-US" dirty="0"/>
+              <a:t> + </a:t>
+            </a:r>
+            <a:r>
+              <a:rPr lang="en-US" dirty="0" err="1"/>
+              <a:t>YearsWithCurrManager</a:t>
+            </a:r>
+            <a:endParaRPr lang="en-US" dirty="0"/>
+          </a:p>
+          <a:p>
+            <a:pPr lvl="1"/>
+            <a:endParaRPr lang="en-US" dirty="0"/>
+          </a:p>
+          <a:p>
+            <a:pPr lvl="1"/>
+            <a:r>
+              <a:rPr lang="en-US" dirty="0"/>
+              <a:t>Accuracy			Sensitivity 		Specificity </a:t>
+            </a:r>
+          </a:p>
+          <a:p>
+            <a:pPr lvl="1"/>
+            <a:r>
+              <a:rPr lang="en-US" dirty="0"/>
+              <a:t>0.7857143   		0.7826087   		0.7894737</a:t>
+            </a:r>
+          </a:p>
+          <a:p>
+            <a:endParaRPr lang="en-US" dirty="0"/>
+          </a:p>
+          <a:p>
+            <a:endParaRPr lang="en-US" dirty="0"/>
+          </a:p>
+          <a:p>
+            <a:endParaRPr lang="en-US" dirty="0"/>
+          </a:p>
+          <a:p>
+            <a:endParaRPr lang="en-US" dirty="0"/>
+          </a:p>
+          <a:p>
+            <a:endParaRPr lang="en-US" dirty="0"/>
+          </a:p>
+          <a:p>
+            <a:r>
+              <a:rPr lang="en-US" dirty="0"/>
+              <a:t>Income Model:</a:t>
+            </a:r>
+          </a:p>
+          <a:p>
+            <a:pPr lvl="1"/>
+            <a:endParaRPr lang="en-US" dirty="0">
+              <a:solidFill>
+                <a:srgbClr val="00B050"/>
+              </a:solidFill>
+            </a:endParaRPr>
+          </a:p>
+          <a:p>
+            <a:pPr lvl="1"/>
+            <a:r>
+              <a:rPr lang="en-US" dirty="0" err="1">
+                <a:solidFill>
+                  <a:srgbClr val="00B050"/>
+                </a:solidFill>
+              </a:rPr>
+              <a:t>MonthlyIncome</a:t>
+            </a:r>
+            <a:r>
+              <a:rPr lang="en-US" dirty="0"/>
+              <a:t> ~ Age + </a:t>
+            </a:r>
+            <a:r>
+              <a:rPr lang="en-US" dirty="0" err="1"/>
+              <a:t>BusinessTravel</a:t>
+            </a:r>
+            <a:r>
+              <a:rPr lang="en-US" dirty="0"/>
+              <a:t> + </a:t>
+            </a:r>
+            <a:r>
+              <a:rPr lang="en-US" dirty="0" err="1"/>
+              <a:t>JobLevel</a:t>
+            </a:r>
+            <a:r>
+              <a:rPr lang="en-US" dirty="0"/>
+              <a:t> + Education + </a:t>
+            </a:r>
+            <a:r>
+              <a:rPr lang="en-US" dirty="0" err="1"/>
+              <a:t>TotalWorkingYears</a:t>
+            </a:r>
+            <a:endParaRPr lang="en-US" dirty="0"/>
+          </a:p>
+          <a:p>
+            <a:pPr lvl="1"/>
+            <a:endParaRPr lang="en-US" dirty="0">
+              <a:solidFill>
+                <a:srgbClr val="000000"/>
+              </a:solidFill>
+              <a:effectLst/>
+              <a:latin typeface="Consolas" panose="020B0609020204030204" pitchFamily="49" charset="0"/>
+              <a:ea typeface="Cambria" panose="02040503050406030204" pitchFamily="18" charset="0"/>
+              <a:cs typeface="Times New Roman" panose="02020603050405020304" pitchFamily="18" charset="0"/>
+            </a:endParaRPr>
+          </a:p>
+          <a:p>
+            <a:pPr lvl="1"/>
+            <a:r>
+              <a:rPr lang="en-US" dirty="0">
+                <a:solidFill>
+                  <a:srgbClr val="000000"/>
+                </a:solidFill>
+                <a:effectLst/>
+                <a:latin typeface="Consolas" panose="020B0609020204030204" pitchFamily="49" charset="0"/>
+                <a:ea typeface="Cambria" panose="02040503050406030204" pitchFamily="18" charset="0"/>
+                <a:cs typeface="Times New Roman" panose="02020603050405020304" pitchFamily="18" charset="0"/>
+              </a:rPr>
+              <a:t>Multiple R-squared			Adjusted R-squared			</a:t>
+            </a:r>
+            <a:r>
               <a:rPr lang="en-US" sz="1800" dirty="0">
                 <a:solidFill>
-                  <a:srgbClr val="FF0000"/>
+                  <a:srgbClr val="000000"/>
                 </a:solidFill>
                 <a:effectLst/>
-                <a:latin typeface="Calibri" panose="020F0502020204030204" pitchFamily="34" charset="0"/>
-                <a:ea typeface="Calibri" panose="020F0502020204030204" pitchFamily="34" charset="0"/>
-                <a:cs typeface="Calibri" panose="020F0502020204030204" pitchFamily="34" charset="0"/>
+                <a:latin typeface="Consolas" panose="020B0609020204030204" pitchFamily="49" charset="0"/>
+                <a:ea typeface="Cambria" panose="02040503050406030204" pitchFamily="18" charset="0"/>
+                <a:cs typeface="Times New Roman" panose="02020603050405020304" pitchFamily="18" charset="0"/>
               </a:rPr>
-              <a:t>When given an IBUs and ABV only, we can reliably categorize between IPAs and Ales </a:t>
-            </a:r>
+              <a:t> RMSE</a:t>
+            </a:r>
+            <a:endParaRPr lang="en-US" dirty="0">
+              <a:solidFill>
+                <a:srgbClr val="000000"/>
+              </a:solidFill>
+              <a:effectLst/>
+              <a:latin typeface="Consolas" panose="020B0609020204030204" pitchFamily="49" charset="0"/>
+              <a:ea typeface="Cambria" panose="02040503050406030204" pitchFamily="18" charset="0"/>
+              <a:cs typeface="Times New Roman" panose="02020603050405020304" pitchFamily="18" charset="0"/>
+            </a:endParaRPr>
+          </a:p>
+          <a:p>
+            <a:pPr lvl="1"/>
             <a:r>
               <a:rPr lang="en-US" dirty="0">
                 <a:solidFill>
-                  <a:srgbClr val="FF0000"/>
-                </a:solidFill>
-                <a:latin typeface="Calibri" panose="020F0502020204030204" pitchFamily="34" charset="0"/>
-                <a:ea typeface="Calibri" panose="020F0502020204030204" pitchFamily="34" charset="0"/>
-                <a:cs typeface="Calibri" panose="020F0502020204030204" pitchFamily="34" charset="0"/>
-              </a:rPr>
-              <a:t>with 90.22% accuracy (with 95% confidence interval between </a:t>
-            </a:r>
-            <a:r>
-              <a:rPr kumimoji="0" lang="en-US" altLang="en-US" sz="1800" b="0" i="0" u="none" strike="noStrike" cap="none" normalizeH="0" baseline="0" dirty="0">
-                <a:ln>
-                  <a:noFill/>
-                </a:ln>
-                <a:solidFill>
-                  <a:srgbClr val="FF0000"/>
+                  <a:srgbClr val="000000"/>
                 </a:solidFill>
                 <a:effectLst/>
-                <a:latin typeface="Calibri" panose="020F0502020204030204" pitchFamily="34" charset="0"/>
-                <a:cs typeface="Calibri" panose="020F0502020204030204" pitchFamily="34" charset="0"/>
+                <a:latin typeface="Consolas" panose="020B0609020204030204" pitchFamily="49" charset="0"/>
+                <a:ea typeface="Cambria" panose="02040503050406030204" pitchFamily="18" charset="0"/>
+                <a:cs typeface="Times New Roman" panose="02020603050405020304" pitchFamily="18" charset="0"/>
               </a:rPr>
-              <a:t>88.62% and 91.66%). This shows that there is a very strong, statistically significant relationship between IBUs  and ABV% for identifying IPAs and Ales.</a:t>
-            </a:r>
-            <a:endParaRPr kumimoji="0" lang="en-US" altLang="en-US" sz="4400" b="0" i="0" u="none" strike="noStrike" cap="none" normalizeH="0" baseline="0" dirty="0">
-              <a:ln>
-                <a:noFill/>
-              </a:ln>
-              <a:solidFill>
-                <a:srgbClr val="FF0000"/>
-              </a:solidFill>
-              <a:effectLst/>
-              <a:latin typeface="Calibri" panose="020F0502020204030204" pitchFamily="34" charset="0"/>
-              <a:cs typeface="Calibri" panose="020F0502020204030204" pitchFamily="34" charset="0"/>
-            </a:endParaRPr>
-          </a:p>
-          <a:p>
-            <a:endParaRPr lang="en-US" dirty="0">
-              <a:solidFill>
-                <a:srgbClr val="FF0000"/>
-              </a:solidFill>
-              <a:latin typeface="Calibri" panose="020F0502020204030204" pitchFamily="34" charset="0"/>
-              <a:cs typeface="Calibri" panose="020F0502020204030204" pitchFamily="34" charset="0"/>
-            </a:endParaRPr>
-          </a:p>
-          <a:p>
-            <a:endParaRPr lang="en-US" dirty="0">
-              <a:solidFill>
-                <a:srgbClr val="FF0000"/>
-              </a:solidFill>
-              <a:latin typeface="Calibri" panose="020F0502020204030204" pitchFamily="34" charset="0"/>
-              <a:cs typeface="Calibri" panose="020F0502020204030204" pitchFamily="34" charset="0"/>
-            </a:endParaRPr>
+              <a:t>0.9278 						0.9246						 </a:t>
+            </a:r>
+            <a:r>
+              <a:rPr lang="en-US" sz="1800" dirty="0">
+                <a:solidFill>
+                  <a:srgbClr val="000000"/>
+                </a:solidFill>
+                <a:effectLst/>
+                <a:latin typeface="Consolas" panose="020B0609020204030204" pitchFamily="49" charset="0"/>
+                <a:ea typeface="Cambria" panose="02040503050406030204" pitchFamily="18" charset="0"/>
+                <a:cs typeface="Times New Roman" panose="02020603050405020304" pitchFamily="18" charset="0"/>
+              </a:rPr>
+              <a:t>1187.83</a:t>
+            </a:r>
+            <a:endParaRPr lang="en-US" dirty="0"/>
           </a:p>
         </p:txBody>
       </p:sp>
     </p:spTree>
     <p:extLst>
       <p:ext uri="{BB962C8B-B14F-4D97-AF65-F5344CB8AC3E}">
-        <p14:creationId xmlns:p14="http://schemas.microsoft.com/office/powerpoint/2010/main" val="3863594096"/>
+        <p14:creationId xmlns:p14="http://schemas.microsoft.com/office/powerpoint/2010/main" val="3203639780"/>
       </p:ext>
     </p:extLst>
   </p:cSld>
@@ -8548,7 +8687,7 @@
           <p:cNvPr id="2" name="Title 1">
             <a:extLst>
               <a:ext uri="{FF2B5EF4-FFF2-40B4-BE49-F238E27FC236}">
-                <a16:creationId xmlns:a16="http://schemas.microsoft.com/office/drawing/2014/main" id="{2982E734-8D75-4819-A9B1-84D214F32330}"/>
+                <a16:creationId xmlns:a16="http://schemas.microsoft.com/office/drawing/2014/main" id="{94C116AD-D64C-469E-9EE9-04B74FEE3EAD}"/>
               </a:ext>
             </a:extLst>
           </p:cNvPr>
@@ -8556,321 +8695,55 @@
             <a:spLocks noGrp="1"/>
           </p:cNvSpPr>
           <p:nvPr>
-            <p:ph type="title"/>
+            <p:ph type="ctrTitle"/>
           </p:nvPr>
         </p:nvSpPr>
-        <p:spPr>
-          <a:xfrm>
-            <a:off x="173182" y="198872"/>
-            <a:ext cx="11644349" cy="532648"/>
-          </a:xfrm>
-        </p:spPr>
+        <p:spPr/>
         <p:txBody>
           <a:bodyPr>
-            <a:normAutofit fontScale="90000"/>
+            <a:normAutofit/>
           </a:bodyPr>
           <a:lstStyle/>
           <a:p>
             <a:r>
-              <a:rPr lang="en-US" b="1" dirty="0"/>
-              <a:t>MODEL OPTIMIZATION</a:t>
+              <a:rPr lang="en-US" sz="5400" b="1" dirty="0"/>
+              <a:t>Thank you!</a:t>
             </a:r>
           </a:p>
         </p:txBody>
       </p:sp>
       <p:sp>
         <p:nvSpPr>
-          <p:cNvPr id="10" name="TextBox 9">
+          <p:cNvPr id="3" name="Subtitle 2">
             <a:extLst>
               <a:ext uri="{FF2B5EF4-FFF2-40B4-BE49-F238E27FC236}">
-                <a16:creationId xmlns:a16="http://schemas.microsoft.com/office/drawing/2014/main" id="{C0D31F19-95AA-452E-BA1F-A32B9B5048B5}"/>
+                <a16:creationId xmlns:a16="http://schemas.microsoft.com/office/drawing/2014/main" id="{8C02D953-60E6-4467-8718-4B87C30875E8}"/>
               </a:ext>
             </a:extLst>
           </p:cNvPr>
-          <p:cNvSpPr txBox="1"/>
-          <p:nvPr/>
+          <p:cNvSpPr>
+            <a:spLocks noGrp="1"/>
+          </p:cNvSpPr>
+          <p:nvPr>
+            <p:ph type="subTitle" idx="1"/>
+          </p:nvPr>
         </p:nvSpPr>
-        <p:spPr>
-          <a:xfrm>
-            <a:off x="173181" y="984793"/>
-            <a:ext cx="11644349" cy="5078313"/>
-          </a:xfrm>
-          <a:prstGeom prst="rect">
-            <a:avLst/>
-          </a:prstGeom>
-          <a:noFill/>
-        </p:spPr>
+        <p:spPr/>
         <p:txBody>
-          <a:bodyPr wrap="square">
-            <a:spAutoFit/>
-          </a:bodyPr>
+          <a:bodyPr/>
           <a:lstStyle/>
           <a:p>
             <a:r>
               <a:rPr lang="en-US" dirty="0"/>
-              <a:t>Attrition Model:</a:t>
-            </a:r>
-          </a:p>
-          <a:p>
-            <a:endParaRPr lang="en-US" dirty="0"/>
-          </a:p>
-          <a:p>
-            <a:pPr lvl="1"/>
-            <a:r>
-              <a:rPr lang="en-US" dirty="0">
-                <a:solidFill>
-                  <a:srgbClr val="00B050"/>
-                </a:solidFill>
-              </a:rPr>
-              <a:t>Attrition</a:t>
-            </a:r>
-            <a:r>
-              <a:rPr lang="en-US" dirty="0"/>
-              <a:t> ~ </a:t>
-            </a:r>
-            <a:r>
-              <a:rPr lang="en-US" dirty="0" err="1"/>
-              <a:t>JobInvolvement</a:t>
-            </a:r>
-            <a:r>
-              <a:rPr lang="en-US" dirty="0"/>
-              <a:t> + </a:t>
-            </a:r>
-            <a:r>
-              <a:rPr lang="en-US" dirty="0" err="1"/>
-              <a:t>JobSatisfaction</a:t>
-            </a:r>
-            <a:r>
-              <a:rPr lang="en-US" dirty="0"/>
-              <a:t> + </a:t>
-            </a:r>
-            <a:r>
-              <a:rPr lang="en-US" dirty="0" err="1"/>
-              <a:t>MaritalStatus</a:t>
-            </a:r>
-            <a:r>
-              <a:rPr lang="en-US" dirty="0"/>
-              <a:t> + </a:t>
-            </a:r>
-            <a:r>
-              <a:rPr lang="en-US" dirty="0" err="1"/>
-              <a:t>NumCompaniesWorked</a:t>
-            </a:r>
-            <a:r>
-              <a:rPr lang="en-US" dirty="0"/>
-              <a:t> + </a:t>
-            </a:r>
-            <a:r>
-              <a:rPr lang="en-US" dirty="0" err="1"/>
-              <a:t>OverTime</a:t>
-            </a:r>
-            <a:r>
-              <a:rPr lang="en-US" dirty="0"/>
-              <a:t> + </a:t>
-            </a:r>
-            <a:r>
-              <a:rPr lang="en-US" dirty="0" err="1"/>
-              <a:t>StockOptionLevel</a:t>
-            </a:r>
-            <a:r>
-              <a:rPr lang="en-US" dirty="0"/>
-              <a:t> + </a:t>
-            </a:r>
-            <a:r>
-              <a:rPr lang="en-US" dirty="0" err="1"/>
-              <a:t>YearsSinceLastPromotion</a:t>
-            </a:r>
-            <a:r>
-              <a:rPr lang="en-US" dirty="0"/>
-              <a:t> + </a:t>
-            </a:r>
-            <a:r>
-              <a:rPr lang="en-US" dirty="0" err="1"/>
-              <a:t>JobLevel</a:t>
-            </a:r>
-            <a:r>
-              <a:rPr lang="en-US" dirty="0"/>
-              <a:t> + </a:t>
-            </a:r>
-            <a:r>
-              <a:rPr lang="en-US" dirty="0" err="1"/>
-              <a:t>TotalWorkingYears</a:t>
-            </a:r>
-            <a:r>
-              <a:rPr lang="en-US" dirty="0"/>
-              <a:t> + </a:t>
-            </a:r>
-            <a:r>
-              <a:rPr lang="en-US" dirty="0" err="1"/>
-              <a:t>YearsWithCurrManager</a:t>
-            </a:r>
-            <a:endParaRPr lang="en-US" dirty="0"/>
-          </a:p>
-          <a:p>
-            <a:pPr lvl="1"/>
-            <a:endParaRPr lang="en-US" dirty="0"/>
-          </a:p>
-          <a:p>
-            <a:pPr lvl="1"/>
-            <a:r>
-              <a:rPr lang="en-US" dirty="0"/>
-              <a:t>Accuracy			Sensitivity 		Specificity </a:t>
-            </a:r>
-          </a:p>
-          <a:p>
-            <a:pPr lvl="1"/>
-            <a:r>
-              <a:rPr lang="en-US" dirty="0"/>
-              <a:t>0.7857143   		0.7826087   		0.7894737</a:t>
-            </a:r>
-          </a:p>
-          <a:p>
-            <a:endParaRPr lang="en-US" dirty="0"/>
-          </a:p>
-          <a:p>
-            <a:endParaRPr lang="en-US" dirty="0"/>
-          </a:p>
-          <a:p>
-            <a:endParaRPr lang="en-US" dirty="0"/>
-          </a:p>
-          <a:p>
-            <a:endParaRPr lang="en-US" dirty="0"/>
-          </a:p>
-          <a:p>
-            <a:endParaRPr lang="en-US" dirty="0"/>
-          </a:p>
-          <a:p>
-            <a:r>
-              <a:rPr lang="en-US" dirty="0"/>
-              <a:t>Income Model:</a:t>
-            </a:r>
-          </a:p>
-          <a:p>
-            <a:pPr lvl="1"/>
-            <a:endParaRPr lang="en-US" dirty="0">
-              <a:solidFill>
-                <a:srgbClr val="00B050"/>
-              </a:solidFill>
-            </a:endParaRPr>
-          </a:p>
-          <a:p>
-            <a:pPr lvl="1"/>
-            <a:r>
-              <a:rPr lang="en-US" dirty="0" err="1">
-                <a:solidFill>
-                  <a:srgbClr val="00B050"/>
-                </a:solidFill>
-              </a:rPr>
-              <a:t>MonthlyIncome</a:t>
-            </a:r>
-            <a:r>
-              <a:rPr lang="en-US" dirty="0"/>
-              <a:t> ~ Age + </a:t>
-            </a:r>
-            <a:r>
-              <a:rPr lang="en-US" dirty="0" err="1"/>
-              <a:t>BusinessTravel</a:t>
-            </a:r>
-            <a:r>
-              <a:rPr lang="en-US" dirty="0"/>
-              <a:t> + </a:t>
-            </a:r>
-            <a:r>
-              <a:rPr lang="en-US" dirty="0" err="1"/>
-              <a:t>JobLevel</a:t>
-            </a:r>
-            <a:r>
-              <a:rPr lang="en-US" dirty="0"/>
-              <a:t> + Education + </a:t>
-            </a:r>
-            <a:r>
-              <a:rPr lang="en-US" dirty="0" err="1"/>
-              <a:t>TotalWorkingYears</a:t>
-            </a:r>
-            <a:endParaRPr lang="en-US" dirty="0"/>
-          </a:p>
-          <a:p>
-            <a:pPr lvl="1"/>
-            <a:endParaRPr lang="en-US" dirty="0">
-              <a:solidFill>
-                <a:srgbClr val="000000"/>
-              </a:solidFill>
-              <a:effectLst/>
-              <a:latin typeface="Consolas" panose="020B0609020204030204" pitchFamily="49" charset="0"/>
-              <a:ea typeface="Cambria" panose="02040503050406030204" pitchFamily="18" charset="0"/>
-              <a:cs typeface="Times New Roman" panose="02020603050405020304" pitchFamily="18" charset="0"/>
-            </a:endParaRPr>
-          </a:p>
-          <a:p>
-            <a:pPr lvl="1"/>
-            <a:r>
-              <a:rPr lang="en-US" dirty="0">
-                <a:solidFill>
-                  <a:srgbClr val="000000"/>
-                </a:solidFill>
-                <a:effectLst/>
-                <a:latin typeface="Consolas" panose="020B0609020204030204" pitchFamily="49" charset="0"/>
-                <a:ea typeface="Cambria" panose="02040503050406030204" pitchFamily="18" charset="0"/>
-                <a:cs typeface="Times New Roman" panose="02020603050405020304" pitchFamily="18" charset="0"/>
-              </a:rPr>
-              <a:t>Multiple R-squared			Adjusted R-squared			</a:t>
-            </a:r>
-            <a:r>
-              <a:rPr lang="en-US" sz="1800" dirty="0">
-                <a:solidFill>
-                  <a:srgbClr val="000000"/>
-                </a:solidFill>
-                <a:effectLst/>
-                <a:latin typeface="Consolas" panose="020B0609020204030204" pitchFamily="49" charset="0"/>
-                <a:ea typeface="Cambria" panose="02040503050406030204" pitchFamily="18" charset="0"/>
-                <a:cs typeface="Times New Roman" panose="02020603050405020304" pitchFamily="18" charset="0"/>
-              </a:rPr>
-              <a:t> RMSE</a:t>
-            </a:r>
-            <a:endParaRPr lang="en-US" dirty="0">
-              <a:solidFill>
-                <a:srgbClr val="000000"/>
-              </a:solidFill>
-              <a:effectLst/>
-              <a:latin typeface="Consolas" panose="020B0609020204030204" pitchFamily="49" charset="0"/>
-              <a:ea typeface="Cambria" panose="02040503050406030204" pitchFamily="18" charset="0"/>
-              <a:cs typeface="Times New Roman" panose="02020603050405020304" pitchFamily="18" charset="0"/>
-            </a:endParaRPr>
-          </a:p>
-          <a:p>
-            <a:pPr lvl="1"/>
-            <a:r>
-              <a:rPr lang="en-US" dirty="0">
-                <a:solidFill>
-                  <a:srgbClr val="000000"/>
-                </a:solidFill>
-                <a:effectLst/>
-                <a:latin typeface="Consolas" panose="020B0609020204030204" pitchFamily="49" charset="0"/>
-                <a:ea typeface="Cambria" panose="02040503050406030204" pitchFamily="18" charset="0"/>
-                <a:cs typeface="Times New Roman" panose="02020603050405020304" pitchFamily="18" charset="0"/>
-              </a:rPr>
-              <a:t>0.9278 						0.9246						 </a:t>
-            </a:r>
-            <a:r>
-              <a:rPr lang="en-US" sz="1800" dirty="0">
-                <a:solidFill>
-                  <a:srgbClr val="000000"/>
-                </a:solidFill>
-                <a:effectLst/>
-                <a:latin typeface="Consolas" panose="020B0609020204030204" pitchFamily="49" charset="0"/>
-                <a:ea typeface="Cambria" panose="02040503050406030204" pitchFamily="18" charset="0"/>
-                <a:cs typeface="Times New Roman" panose="02020603050405020304" pitchFamily="18" charset="0"/>
-              </a:rPr>
-              <a:t>1187.83</a:t>
-            </a:r>
-            <a:endParaRPr lang="en-US" dirty="0"/>
+              <a:t>Neil Benson</a:t>
+            </a:r>
           </a:p>
         </p:txBody>
       </p:sp>
     </p:spTree>
     <p:extLst>
       <p:ext uri="{BB962C8B-B14F-4D97-AF65-F5344CB8AC3E}">
-        <p14:creationId xmlns:p14="http://schemas.microsoft.com/office/powerpoint/2010/main" val="3203639780"/>
+        <p14:creationId xmlns:p14="http://schemas.microsoft.com/office/powerpoint/2010/main" val="1771092357"/>
       </p:ext>
     </p:extLst>
   </p:cSld>
